--- a/ppt 16-9/0297.欢送歌.pptx
+++ b/ppt 16-9/0297.欢送歌.pptx
@@ -129,7 +129,7 @@
           <p:cNvPr id="2" name="标题 1">
             <a:extLst>
               <a:ext uri="{FF2B5EF4-FFF2-40B4-BE49-F238E27FC236}">
-                <a16:creationId xmlns:a16="http://schemas.microsoft.com/office/drawing/2014/main" id="{756AF654-EC36-D4B6-4C78-81BBD2C9181A}"/>
+                <a16:creationId xmlns:a16="http://schemas.microsoft.com/office/drawing/2014/main" id="{030B4FA3-78C6-456B-419A-E35134FE8CCA}"/>
               </a:ext>
             </a:extLst>
           </p:cNvPr>
@@ -166,7 +166,7 @@
           <p:cNvPr id="3" name="副标题 2">
             <a:extLst>
               <a:ext uri="{FF2B5EF4-FFF2-40B4-BE49-F238E27FC236}">
-                <a16:creationId xmlns:a16="http://schemas.microsoft.com/office/drawing/2014/main" id="{242BC046-E9EA-C78B-AABF-ADBC645C7452}"/>
+                <a16:creationId xmlns:a16="http://schemas.microsoft.com/office/drawing/2014/main" id="{B7D11E1F-F6B2-7206-C297-34C43A9CC4F3}"/>
               </a:ext>
             </a:extLst>
           </p:cNvPr>
@@ -236,7 +236,7 @@
           <p:cNvPr id="4" name="日期占位符 3">
             <a:extLst>
               <a:ext uri="{FF2B5EF4-FFF2-40B4-BE49-F238E27FC236}">
-                <a16:creationId xmlns:a16="http://schemas.microsoft.com/office/drawing/2014/main" id="{B3484F51-4B0A-6570-07F0-6085D87288AD}"/>
+                <a16:creationId xmlns:a16="http://schemas.microsoft.com/office/drawing/2014/main" id="{30619DDD-9CA9-5F7D-2A61-3A722D8B9D48}"/>
               </a:ext>
             </a:extLst>
           </p:cNvPr>
@@ -252,7 +252,7 @@
           <a:bodyPr/>
           <a:lstStyle/>
           <a:p>
-            <a:fld id="{27391912-FA2D-4827-8CA1-7B9F50C6B5B4}" type="datetimeFigureOut">
+            <a:fld id="{619826E2-8692-4CC7-B8F8-FAB2D156F1F0}" type="datetimeFigureOut">
               <a:rPr lang="zh-CN" altLang="en-US" smtClean="0"/>
               <a:t>2024/3/10</a:t>
             </a:fld>
@@ -265,7 +265,7 @@
           <p:cNvPr id="5" name="页脚占位符 4">
             <a:extLst>
               <a:ext uri="{FF2B5EF4-FFF2-40B4-BE49-F238E27FC236}">
-                <a16:creationId xmlns:a16="http://schemas.microsoft.com/office/drawing/2014/main" id="{BAFB197C-8CA9-255D-3DA4-D6C01449C044}"/>
+                <a16:creationId xmlns:a16="http://schemas.microsoft.com/office/drawing/2014/main" id="{EDB21BAA-407E-5235-CE82-AA1300D648BF}"/>
               </a:ext>
             </a:extLst>
           </p:cNvPr>
@@ -290,7 +290,7 @@
           <p:cNvPr id="6" name="灯片编号占位符 5">
             <a:extLst>
               <a:ext uri="{FF2B5EF4-FFF2-40B4-BE49-F238E27FC236}">
-                <a16:creationId xmlns:a16="http://schemas.microsoft.com/office/drawing/2014/main" id="{756D26ED-10CA-5E27-7895-93BAD37DF9FC}"/>
+                <a16:creationId xmlns:a16="http://schemas.microsoft.com/office/drawing/2014/main" id="{F6779CC8-79D1-7966-3719-1DC29A7761BB}"/>
               </a:ext>
             </a:extLst>
           </p:cNvPr>
@@ -306,7 +306,7 @@
           <a:bodyPr/>
           <a:lstStyle/>
           <a:p>
-            <a:fld id="{98450F40-2CBB-4E4F-B8B7-274DB0D8C758}" type="slidenum">
+            <a:fld id="{F9CA2F5A-4ED6-4FE7-A47D-AA87A0518D75}" type="slidenum">
               <a:rPr lang="zh-CN" altLang="en-US" smtClean="0"/>
               <a:t>‹#›</a:t>
             </a:fld>
@@ -317,7 +317,7 @@
     </p:spTree>
     <p:extLst>
       <p:ext uri="{BB962C8B-B14F-4D97-AF65-F5344CB8AC3E}">
-        <p14:creationId xmlns:p14="http://schemas.microsoft.com/office/powerpoint/2010/main" val="1241267370"/>
+        <p14:creationId xmlns:p14="http://schemas.microsoft.com/office/powerpoint/2010/main" val="1350938430"/>
       </p:ext>
     </p:extLst>
   </p:cSld>
@@ -349,7 +349,7 @@
           <p:cNvPr id="2" name="标题 1">
             <a:extLst>
               <a:ext uri="{FF2B5EF4-FFF2-40B4-BE49-F238E27FC236}">
-                <a16:creationId xmlns:a16="http://schemas.microsoft.com/office/drawing/2014/main" id="{B1F9326A-FBCD-C713-56C4-190D4C0B4686}"/>
+                <a16:creationId xmlns:a16="http://schemas.microsoft.com/office/drawing/2014/main" id="{944C5219-C023-1C66-B08A-3538064877F4}"/>
               </a:ext>
             </a:extLst>
           </p:cNvPr>
@@ -377,7 +377,7 @@
           <p:cNvPr id="3" name="竖排文字占位符 2">
             <a:extLst>
               <a:ext uri="{FF2B5EF4-FFF2-40B4-BE49-F238E27FC236}">
-                <a16:creationId xmlns:a16="http://schemas.microsoft.com/office/drawing/2014/main" id="{C993F6B7-5FF3-1654-26F0-933ABA280D0F}"/>
+                <a16:creationId xmlns:a16="http://schemas.microsoft.com/office/drawing/2014/main" id="{F0FB807F-A381-8EFE-85BE-FC6F9D293AC2}"/>
               </a:ext>
             </a:extLst>
           </p:cNvPr>
@@ -434,7 +434,7 @@
           <p:cNvPr id="4" name="日期占位符 3">
             <a:extLst>
               <a:ext uri="{FF2B5EF4-FFF2-40B4-BE49-F238E27FC236}">
-                <a16:creationId xmlns:a16="http://schemas.microsoft.com/office/drawing/2014/main" id="{258FDD55-D5BB-31AB-96F9-B5E3CF11ECC8}"/>
+                <a16:creationId xmlns:a16="http://schemas.microsoft.com/office/drawing/2014/main" id="{845ED203-EC5A-B2A5-3958-8DF76D8644E9}"/>
               </a:ext>
             </a:extLst>
           </p:cNvPr>
@@ -450,7 +450,7 @@
           <a:bodyPr/>
           <a:lstStyle/>
           <a:p>
-            <a:fld id="{27391912-FA2D-4827-8CA1-7B9F50C6B5B4}" type="datetimeFigureOut">
+            <a:fld id="{619826E2-8692-4CC7-B8F8-FAB2D156F1F0}" type="datetimeFigureOut">
               <a:rPr lang="zh-CN" altLang="en-US" smtClean="0"/>
               <a:t>2024/3/10</a:t>
             </a:fld>
@@ -463,7 +463,7 @@
           <p:cNvPr id="5" name="页脚占位符 4">
             <a:extLst>
               <a:ext uri="{FF2B5EF4-FFF2-40B4-BE49-F238E27FC236}">
-                <a16:creationId xmlns:a16="http://schemas.microsoft.com/office/drawing/2014/main" id="{6C043D34-ABCB-E061-2A43-A156E205C500}"/>
+                <a16:creationId xmlns:a16="http://schemas.microsoft.com/office/drawing/2014/main" id="{0BB0D50F-BEA3-781E-69B8-FCABFB6CA2DD}"/>
               </a:ext>
             </a:extLst>
           </p:cNvPr>
@@ -488,7 +488,7 @@
           <p:cNvPr id="6" name="灯片编号占位符 5">
             <a:extLst>
               <a:ext uri="{FF2B5EF4-FFF2-40B4-BE49-F238E27FC236}">
-                <a16:creationId xmlns:a16="http://schemas.microsoft.com/office/drawing/2014/main" id="{A079A346-8522-613F-3410-B22D8B74B2F6}"/>
+                <a16:creationId xmlns:a16="http://schemas.microsoft.com/office/drawing/2014/main" id="{D0C2D209-68D8-9DCB-4455-44D9CDB5EF04}"/>
               </a:ext>
             </a:extLst>
           </p:cNvPr>
@@ -504,7 +504,7 @@
           <a:bodyPr/>
           <a:lstStyle/>
           <a:p>
-            <a:fld id="{98450F40-2CBB-4E4F-B8B7-274DB0D8C758}" type="slidenum">
+            <a:fld id="{F9CA2F5A-4ED6-4FE7-A47D-AA87A0518D75}" type="slidenum">
               <a:rPr lang="zh-CN" altLang="en-US" smtClean="0"/>
               <a:t>‹#›</a:t>
             </a:fld>
@@ -515,7 +515,7 @@
     </p:spTree>
     <p:extLst>
       <p:ext uri="{BB962C8B-B14F-4D97-AF65-F5344CB8AC3E}">
-        <p14:creationId xmlns:p14="http://schemas.microsoft.com/office/powerpoint/2010/main" val="1211150489"/>
+        <p14:creationId xmlns:p14="http://schemas.microsoft.com/office/powerpoint/2010/main" val="2290354837"/>
       </p:ext>
     </p:extLst>
   </p:cSld>
@@ -547,7 +547,7 @@
           <p:cNvPr id="2" name="竖排标题 1">
             <a:extLst>
               <a:ext uri="{FF2B5EF4-FFF2-40B4-BE49-F238E27FC236}">
-                <a16:creationId xmlns:a16="http://schemas.microsoft.com/office/drawing/2014/main" id="{1A6EBA2A-AE2A-31C0-29B2-7D55DE33CCBD}"/>
+                <a16:creationId xmlns:a16="http://schemas.microsoft.com/office/drawing/2014/main" id="{B5488F62-4CCB-5866-1C1E-6F1C4FFB0267}"/>
               </a:ext>
             </a:extLst>
           </p:cNvPr>
@@ -580,7 +580,7 @@
           <p:cNvPr id="3" name="竖排文字占位符 2">
             <a:extLst>
               <a:ext uri="{FF2B5EF4-FFF2-40B4-BE49-F238E27FC236}">
-                <a16:creationId xmlns:a16="http://schemas.microsoft.com/office/drawing/2014/main" id="{5083E06D-A419-A463-B7E3-55059AE87860}"/>
+                <a16:creationId xmlns:a16="http://schemas.microsoft.com/office/drawing/2014/main" id="{55A295B9-8487-1E25-6910-187631A338ED}"/>
               </a:ext>
             </a:extLst>
           </p:cNvPr>
@@ -642,7 +642,7 @@
           <p:cNvPr id="4" name="日期占位符 3">
             <a:extLst>
               <a:ext uri="{FF2B5EF4-FFF2-40B4-BE49-F238E27FC236}">
-                <a16:creationId xmlns:a16="http://schemas.microsoft.com/office/drawing/2014/main" id="{7C844CA7-A7A7-7505-4B2F-1CF756E15CC1}"/>
+                <a16:creationId xmlns:a16="http://schemas.microsoft.com/office/drawing/2014/main" id="{20F30024-1EDD-F5D0-0661-4A8E5F6D4E40}"/>
               </a:ext>
             </a:extLst>
           </p:cNvPr>
@@ -658,7 +658,7 @@
           <a:bodyPr/>
           <a:lstStyle/>
           <a:p>
-            <a:fld id="{27391912-FA2D-4827-8CA1-7B9F50C6B5B4}" type="datetimeFigureOut">
+            <a:fld id="{619826E2-8692-4CC7-B8F8-FAB2D156F1F0}" type="datetimeFigureOut">
               <a:rPr lang="zh-CN" altLang="en-US" smtClean="0"/>
               <a:t>2024/3/10</a:t>
             </a:fld>
@@ -671,7 +671,7 @@
           <p:cNvPr id="5" name="页脚占位符 4">
             <a:extLst>
               <a:ext uri="{FF2B5EF4-FFF2-40B4-BE49-F238E27FC236}">
-                <a16:creationId xmlns:a16="http://schemas.microsoft.com/office/drawing/2014/main" id="{8A94C9A3-CC32-3B91-AAA8-40FB42BA46CE}"/>
+                <a16:creationId xmlns:a16="http://schemas.microsoft.com/office/drawing/2014/main" id="{14FDCDB1-90B5-1534-35FD-FB8FD24841C7}"/>
               </a:ext>
             </a:extLst>
           </p:cNvPr>
@@ -696,7 +696,7 @@
           <p:cNvPr id="6" name="灯片编号占位符 5">
             <a:extLst>
               <a:ext uri="{FF2B5EF4-FFF2-40B4-BE49-F238E27FC236}">
-                <a16:creationId xmlns:a16="http://schemas.microsoft.com/office/drawing/2014/main" id="{BF4A3C50-7F69-923E-705F-3DC727054164}"/>
+                <a16:creationId xmlns:a16="http://schemas.microsoft.com/office/drawing/2014/main" id="{FB103F1A-233F-27B6-D1FD-2267530BB649}"/>
               </a:ext>
             </a:extLst>
           </p:cNvPr>
@@ -712,7 +712,7 @@
           <a:bodyPr/>
           <a:lstStyle/>
           <a:p>
-            <a:fld id="{98450F40-2CBB-4E4F-B8B7-274DB0D8C758}" type="slidenum">
+            <a:fld id="{F9CA2F5A-4ED6-4FE7-A47D-AA87A0518D75}" type="slidenum">
               <a:rPr lang="zh-CN" altLang="en-US" smtClean="0"/>
               <a:t>‹#›</a:t>
             </a:fld>
@@ -723,7 +723,7 @@
     </p:spTree>
     <p:extLst>
       <p:ext uri="{BB962C8B-B14F-4D97-AF65-F5344CB8AC3E}">
-        <p14:creationId xmlns:p14="http://schemas.microsoft.com/office/powerpoint/2010/main" val="3990127105"/>
+        <p14:creationId xmlns:p14="http://schemas.microsoft.com/office/powerpoint/2010/main" val="2310825732"/>
       </p:ext>
     </p:extLst>
   </p:cSld>
@@ -755,7 +755,7 @@
           <p:cNvPr id="2" name="标题 1">
             <a:extLst>
               <a:ext uri="{FF2B5EF4-FFF2-40B4-BE49-F238E27FC236}">
-                <a16:creationId xmlns:a16="http://schemas.microsoft.com/office/drawing/2014/main" id="{07F64114-AA2B-3693-E539-74EAC268FE98}"/>
+                <a16:creationId xmlns:a16="http://schemas.microsoft.com/office/drawing/2014/main" id="{0C5F331F-9C08-B510-3D0C-796021FC7F99}"/>
               </a:ext>
             </a:extLst>
           </p:cNvPr>
@@ -783,7 +783,7 @@
           <p:cNvPr id="3" name="内容占位符 2">
             <a:extLst>
               <a:ext uri="{FF2B5EF4-FFF2-40B4-BE49-F238E27FC236}">
-                <a16:creationId xmlns:a16="http://schemas.microsoft.com/office/drawing/2014/main" id="{FF190B09-49EB-B4E9-A53E-771F4ECF57D9}"/>
+                <a16:creationId xmlns:a16="http://schemas.microsoft.com/office/drawing/2014/main" id="{701EF095-458E-8F49-BE97-21FA80D3CE50}"/>
               </a:ext>
             </a:extLst>
           </p:cNvPr>
@@ -840,7 +840,7 @@
           <p:cNvPr id="4" name="日期占位符 3">
             <a:extLst>
               <a:ext uri="{FF2B5EF4-FFF2-40B4-BE49-F238E27FC236}">
-                <a16:creationId xmlns:a16="http://schemas.microsoft.com/office/drawing/2014/main" id="{E9EA147C-DF35-C178-C8DD-FA781812B0B4}"/>
+                <a16:creationId xmlns:a16="http://schemas.microsoft.com/office/drawing/2014/main" id="{C017FA7B-871C-E735-9A85-F76DA2B8341A}"/>
               </a:ext>
             </a:extLst>
           </p:cNvPr>
@@ -856,7 +856,7 @@
           <a:bodyPr/>
           <a:lstStyle/>
           <a:p>
-            <a:fld id="{27391912-FA2D-4827-8CA1-7B9F50C6B5B4}" type="datetimeFigureOut">
+            <a:fld id="{619826E2-8692-4CC7-B8F8-FAB2D156F1F0}" type="datetimeFigureOut">
               <a:rPr lang="zh-CN" altLang="en-US" smtClean="0"/>
               <a:t>2024/3/10</a:t>
             </a:fld>
@@ -869,7 +869,7 @@
           <p:cNvPr id="5" name="页脚占位符 4">
             <a:extLst>
               <a:ext uri="{FF2B5EF4-FFF2-40B4-BE49-F238E27FC236}">
-                <a16:creationId xmlns:a16="http://schemas.microsoft.com/office/drawing/2014/main" id="{901F2ACB-7C97-7EE5-4BDB-6F498CFCBF8B}"/>
+                <a16:creationId xmlns:a16="http://schemas.microsoft.com/office/drawing/2014/main" id="{C15354C2-CA7A-AC86-1430-279FEC14CF84}"/>
               </a:ext>
             </a:extLst>
           </p:cNvPr>
@@ -894,7 +894,7 @@
           <p:cNvPr id="6" name="灯片编号占位符 5">
             <a:extLst>
               <a:ext uri="{FF2B5EF4-FFF2-40B4-BE49-F238E27FC236}">
-                <a16:creationId xmlns:a16="http://schemas.microsoft.com/office/drawing/2014/main" id="{1F5D3E61-E53E-32F8-B16D-55A32C5E2C9D}"/>
+                <a16:creationId xmlns:a16="http://schemas.microsoft.com/office/drawing/2014/main" id="{D321C45C-DC29-9D3B-5A9B-6F04CDA95070}"/>
               </a:ext>
             </a:extLst>
           </p:cNvPr>
@@ -910,7 +910,7 @@
           <a:bodyPr/>
           <a:lstStyle/>
           <a:p>
-            <a:fld id="{98450F40-2CBB-4E4F-B8B7-274DB0D8C758}" type="slidenum">
+            <a:fld id="{F9CA2F5A-4ED6-4FE7-A47D-AA87A0518D75}" type="slidenum">
               <a:rPr lang="zh-CN" altLang="en-US" smtClean="0"/>
               <a:t>‹#›</a:t>
             </a:fld>
@@ -921,7 +921,7 @@
     </p:spTree>
     <p:extLst>
       <p:ext uri="{BB962C8B-B14F-4D97-AF65-F5344CB8AC3E}">
-        <p14:creationId xmlns:p14="http://schemas.microsoft.com/office/powerpoint/2010/main" val="3719326906"/>
+        <p14:creationId xmlns:p14="http://schemas.microsoft.com/office/powerpoint/2010/main" val="1063099974"/>
       </p:ext>
     </p:extLst>
   </p:cSld>
@@ -953,7 +953,7 @@
           <p:cNvPr id="2" name="标题 1">
             <a:extLst>
               <a:ext uri="{FF2B5EF4-FFF2-40B4-BE49-F238E27FC236}">
-                <a16:creationId xmlns:a16="http://schemas.microsoft.com/office/drawing/2014/main" id="{723F86BA-FD53-F74F-2F09-B65674C11123}"/>
+                <a16:creationId xmlns:a16="http://schemas.microsoft.com/office/drawing/2014/main" id="{5FD86CCD-6E05-8C71-6DD6-CB2E976586CA}"/>
               </a:ext>
             </a:extLst>
           </p:cNvPr>
@@ -990,7 +990,7 @@
           <p:cNvPr id="3" name="文本占位符 2">
             <a:extLst>
               <a:ext uri="{FF2B5EF4-FFF2-40B4-BE49-F238E27FC236}">
-                <a16:creationId xmlns:a16="http://schemas.microsoft.com/office/drawing/2014/main" id="{D1605310-562B-365A-0E87-AB044E0CD673}"/>
+                <a16:creationId xmlns:a16="http://schemas.microsoft.com/office/drawing/2014/main" id="{8592B2DE-BD2C-C472-547B-A300A0F73123}"/>
               </a:ext>
             </a:extLst>
           </p:cNvPr>
@@ -1115,7 +1115,7 @@
           <p:cNvPr id="4" name="日期占位符 3">
             <a:extLst>
               <a:ext uri="{FF2B5EF4-FFF2-40B4-BE49-F238E27FC236}">
-                <a16:creationId xmlns:a16="http://schemas.microsoft.com/office/drawing/2014/main" id="{A701A009-F6BE-359C-3232-9B5C1DC72C2E}"/>
+                <a16:creationId xmlns:a16="http://schemas.microsoft.com/office/drawing/2014/main" id="{B226D6E5-4167-1191-7D75-38344B1F48A2}"/>
               </a:ext>
             </a:extLst>
           </p:cNvPr>
@@ -1131,7 +1131,7 @@
           <a:bodyPr/>
           <a:lstStyle/>
           <a:p>
-            <a:fld id="{27391912-FA2D-4827-8CA1-7B9F50C6B5B4}" type="datetimeFigureOut">
+            <a:fld id="{619826E2-8692-4CC7-B8F8-FAB2D156F1F0}" type="datetimeFigureOut">
               <a:rPr lang="zh-CN" altLang="en-US" smtClean="0"/>
               <a:t>2024/3/10</a:t>
             </a:fld>
@@ -1144,7 +1144,7 @@
           <p:cNvPr id="5" name="页脚占位符 4">
             <a:extLst>
               <a:ext uri="{FF2B5EF4-FFF2-40B4-BE49-F238E27FC236}">
-                <a16:creationId xmlns:a16="http://schemas.microsoft.com/office/drawing/2014/main" id="{69AB0F44-87DD-ADD8-15A7-3D2E9E92EF0B}"/>
+                <a16:creationId xmlns:a16="http://schemas.microsoft.com/office/drawing/2014/main" id="{9AB88EEF-6D01-191F-EC91-685FB59761C7}"/>
               </a:ext>
             </a:extLst>
           </p:cNvPr>
@@ -1169,7 +1169,7 @@
           <p:cNvPr id="6" name="灯片编号占位符 5">
             <a:extLst>
               <a:ext uri="{FF2B5EF4-FFF2-40B4-BE49-F238E27FC236}">
-                <a16:creationId xmlns:a16="http://schemas.microsoft.com/office/drawing/2014/main" id="{B19203E6-412A-04C3-856F-F32E52C7B691}"/>
+                <a16:creationId xmlns:a16="http://schemas.microsoft.com/office/drawing/2014/main" id="{81AB0538-46C1-3429-5BE2-E8C05BA95A12}"/>
               </a:ext>
             </a:extLst>
           </p:cNvPr>
@@ -1185,7 +1185,7 @@
           <a:bodyPr/>
           <a:lstStyle/>
           <a:p>
-            <a:fld id="{98450F40-2CBB-4E4F-B8B7-274DB0D8C758}" type="slidenum">
+            <a:fld id="{F9CA2F5A-4ED6-4FE7-A47D-AA87A0518D75}" type="slidenum">
               <a:rPr lang="zh-CN" altLang="en-US" smtClean="0"/>
               <a:t>‹#›</a:t>
             </a:fld>
@@ -1196,7 +1196,7 @@
     </p:spTree>
     <p:extLst>
       <p:ext uri="{BB962C8B-B14F-4D97-AF65-F5344CB8AC3E}">
-        <p14:creationId xmlns:p14="http://schemas.microsoft.com/office/powerpoint/2010/main" val="233541100"/>
+        <p14:creationId xmlns:p14="http://schemas.microsoft.com/office/powerpoint/2010/main" val="1228251608"/>
       </p:ext>
     </p:extLst>
   </p:cSld>
@@ -1228,7 +1228,7 @@
           <p:cNvPr id="2" name="标题 1">
             <a:extLst>
               <a:ext uri="{FF2B5EF4-FFF2-40B4-BE49-F238E27FC236}">
-                <a16:creationId xmlns:a16="http://schemas.microsoft.com/office/drawing/2014/main" id="{1AE153E6-CA8A-9451-5F99-704D4BFA9A04}"/>
+                <a16:creationId xmlns:a16="http://schemas.microsoft.com/office/drawing/2014/main" id="{454836E2-D21D-E011-5048-8A44C81C7371}"/>
               </a:ext>
             </a:extLst>
           </p:cNvPr>
@@ -1256,7 +1256,7 @@
           <p:cNvPr id="3" name="内容占位符 2">
             <a:extLst>
               <a:ext uri="{FF2B5EF4-FFF2-40B4-BE49-F238E27FC236}">
-                <a16:creationId xmlns:a16="http://schemas.microsoft.com/office/drawing/2014/main" id="{CD2113CD-57DB-B4B5-3F77-277217BD9EC6}"/>
+                <a16:creationId xmlns:a16="http://schemas.microsoft.com/office/drawing/2014/main" id="{B2FD9185-AE65-A4AD-CAB5-A8A10A1BBDE4}"/>
               </a:ext>
             </a:extLst>
           </p:cNvPr>
@@ -1318,7 +1318,7 @@
           <p:cNvPr id="4" name="内容占位符 3">
             <a:extLst>
               <a:ext uri="{FF2B5EF4-FFF2-40B4-BE49-F238E27FC236}">
-                <a16:creationId xmlns:a16="http://schemas.microsoft.com/office/drawing/2014/main" id="{869EB229-2E8C-E6F6-B4C8-0D1552FE4DA6}"/>
+                <a16:creationId xmlns:a16="http://schemas.microsoft.com/office/drawing/2014/main" id="{236A683F-DDE6-1ADD-E83E-BBB8BF3DC01C}"/>
               </a:ext>
             </a:extLst>
           </p:cNvPr>
@@ -1380,7 +1380,7 @@
           <p:cNvPr id="5" name="日期占位符 4">
             <a:extLst>
               <a:ext uri="{FF2B5EF4-FFF2-40B4-BE49-F238E27FC236}">
-                <a16:creationId xmlns:a16="http://schemas.microsoft.com/office/drawing/2014/main" id="{4365FEAF-F028-6EF0-73B2-4B8E83960C65}"/>
+                <a16:creationId xmlns:a16="http://schemas.microsoft.com/office/drawing/2014/main" id="{D6706E41-C2BE-A134-36A7-45D576C048D4}"/>
               </a:ext>
             </a:extLst>
           </p:cNvPr>
@@ -1396,7 +1396,7 @@
           <a:bodyPr/>
           <a:lstStyle/>
           <a:p>
-            <a:fld id="{27391912-FA2D-4827-8CA1-7B9F50C6B5B4}" type="datetimeFigureOut">
+            <a:fld id="{619826E2-8692-4CC7-B8F8-FAB2D156F1F0}" type="datetimeFigureOut">
               <a:rPr lang="zh-CN" altLang="en-US" smtClean="0"/>
               <a:t>2024/3/10</a:t>
             </a:fld>
@@ -1409,7 +1409,7 @@
           <p:cNvPr id="6" name="页脚占位符 5">
             <a:extLst>
               <a:ext uri="{FF2B5EF4-FFF2-40B4-BE49-F238E27FC236}">
-                <a16:creationId xmlns:a16="http://schemas.microsoft.com/office/drawing/2014/main" id="{16DDE50E-3AFF-1368-CE1F-D725D0DA6F4B}"/>
+                <a16:creationId xmlns:a16="http://schemas.microsoft.com/office/drawing/2014/main" id="{6BB4FDD8-B078-350C-262C-BE33E5646DE3}"/>
               </a:ext>
             </a:extLst>
           </p:cNvPr>
@@ -1434,7 +1434,7 @@
           <p:cNvPr id="7" name="灯片编号占位符 6">
             <a:extLst>
               <a:ext uri="{FF2B5EF4-FFF2-40B4-BE49-F238E27FC236}">
-                <a16:creationId xmlns:a16="http://schemas.microsoft.com/office/drawing/2014/main" id="{A0356E76-B116-F00E-BE53-62264DA25761}"/>
+                <a16:creationId xmlns:a16="http://schemas.microsoft.com/office/drawing/2014/main" id="{42C5A997-FB0C-BB38-C72B-D1AFA70688A7}"/>
               </a:ext>
             </a:extLst>
           </p:cNvPr>
@@ -1450,7 +1450,7 @@
           <a:bodyPr/>
           <a:lstStyle/>
           <a:p>
-            <a:fld id="{98450F40-2CBB-4E4F-B8B7-274DB0D8C758}" type="slidenum">
+            <a:fld id="{F9CA2F5A-4ED6-4FE7-A47D-AA87A0518D75}" type="slidenum">
               <a:rPr lang="zh-CN" altLang="en-US" smtClean="0"/>
               <a:t>‹#›</a:t>
             </a:fld>
@@ -1461,7 +1461,7 @@
     </p:spTree>
     <p:extLst>
       <p:ext uri="{BB962C8B-B14F-4D97-AF65-F5344CB8AC3E}">
-        <p14:creationId xmlns:p14="http://schemas.microsoft.com/office/powerpoint/2010/main" val="3774479236"/>
+        <p14:creationId xmlns:p14="http://schemas.microsoft.com/office/powerpoint/2010/main" val="2810763287"/>
       </p:ext>
     </p:extLst>
   </p:cSld>
@@ -1493,7 +1493,7 @@
           <p:cNvPr id="2" name="标题 1">
             <a:extLst>
               <a:ext uri="{FF2B5EF4-FFF2-40B4-BE49-F238E27FC236}">
-                <a16:creationId xmlns:a16="http://schemas.microsoft.com/office/drawing/2014/main" id="{BF2137F3-5E70-ED16-789B-D0A6C7A13A79}"/>
+                <a16:creationId xmlns:a16="http://schemas.microsoft.com/office/drawing/2014/main" id="{FEE9E818-359D-1102-4558-1A5A734B4C11}"/>
               </a:ext>
             </a:extLst>
           </p:cNvPr>
@@ -1526,7 +1526,7 @@
           <p:cNvPr id="3" name="文本占位符 2">
             <a:extLst>
               <a:ext uri="{FF2B5EF4-FFF2-40B4-BE49-F238E27FC236}">
-                <a16:creationId xmlns:a16="http://schemas.microsoft.com/office/drawing/2014/main" id="{FBAA0C2E-DA5B-860F-99E6-0CCC667DA443}"/>
+                <a16:creationId xmlns:a16="http://schemas.microsoft.com/office/drawing/2014/main" id="{2BD7DFD9-ACE0-0E67-E147-E7EBB76DA969}"/>
               </a:ext>
             </a:extLst>
           </p:cNvPr>
@@ -1597,7 +1597,7 @@
           <p:cNvPr id="4" name="内容占位符 3">
             <a:extLst>
               <a:ext uri="{FF2B5EF4-FFF2-40B4-BE49-F238E27FC236}">
-                <a16:creationId xmlns:a16="http://schemas.microsoft.com/office/drawing/2014/main" id="{8D0F6CE1-6056-DFE1-FAA2-3DBB4BC8753F}"/>
+                <a16:creationId xmlns:a16="http://schemas.microsoft.com/office/drawing/2014/main" id="{5FADC2EF-4152-3417-F109-099843AF42B3}"/>
               </a:ext>
             </a:extLst>
           </p:cNvPr>
@@ -1659,7 +1659,7 @@
           <p:cNvPr id="5" name="文本占位符 4">
             <a:extLst>
               <a:ext uri="{FF2B5EF4-FFF2-40B4-BE49-F238E27FC236}">
-                <a16:creationId xmlns:a16="http://schemas.microsoft.com/office/drawing/2014/main" id="{45822409-E9EC-BD01-A963-24F9DFC8F044}"/>
+                <a16:creationId xmlns:a16="http://schemas.microsoft.com/office/drawing/2014/main" id="{97FCE933-B757-D565-A1AD-122F63115CD5}"/>
               </a:ext>
             </a:extLst>
           </p:cNvPr>
@@ -1730,7 +1730,7 @@
           <p:cNvPr id="6" name="内容占位符 5">
             <a:extLst>
               <a:ext uri="{FF2B5EF4-FFF2-40B4-BE49-F238E27FC236}">
-                <a16:creationId xmlns:a16="http://schemas.microsoft.com/office/drawing/2014/main" id="{B17DF989-D6D9-19D8-5140-0A1C919F65F7}"/>
+                <a16:creationId xmlns:a16="http://schemas.microsoft.com/office/drawing/2014/main" id="{2F14BEEF-3590-8D2D-9DE8-1D4543AD9D51}"/>
               </a:ext>
             </a:extLst>
           </p:cNvPr>
@@ -1792,7 +1792,7 @@
           <p:cNvPr id="7" name="日期占位符 6">
             <a:extLst>
               <a:ext uri="{FF2B5EF4-FFF2-40B4-BE49-F238E27FC236}">
-                <a16:creationId xmlns:a16="http://schemas.microsoft.com/office/drawing/2014/main" id="{5922059B-91C8-8BDA-D2C5-499D75F7BC88}"/>
+                <a16:creationId xmlns:a16="http://schemas.microsoft.com/office/drawing/2014/main" id="{610FD2D4-C3EC-20C5-7B50-7EDEA4C74ABD}"/>
               </a:ext>
             </a:extLst>
           </p:cNvPr>
@@ -1808,7 +1808,7 @@
           <a:bodyPr/>
           <a:lstStyle/>
           <a:p>
-            <a:fld id="{27391912-FA2D-4827-8CA1-7B9F50C6B5B4}" type="datetimeFigureOut">
+            <a:fld id="{619826E2-8692-4CC7-B8F8-FAB2D156F1F0}" type="datetimeFigureOut">
               <a:rPr lang="zh-CN" altLang="en-US" smtClean="0"/>
               <a:t>2024/3/10</a:t>
             </a:fld>
@@ -1821,7 +1821,7 @@
           <p:cNvPr id="8" name="页脚占位符 7">
             <a:extLst>
               <a:ext uri="{FF2B5EF4-FFF2-40B4-BE49-F238E27FC236}">
-                <a16:creationId xmlns:a16="http://schemas.microsoft.com/office/drawing/2014/main" id="{28080A98-1354-A130-C0B5-3FEF2060F3CB}"/>
+                <a16:creationId xmlns:a16="http://schemas.microsoft.com/office/drawing/2014/main" id="{C74DE85F-2EC8-A401-3783-D298F1D9DE15}"/>
               </a:ext>
             </a:extLst>
           </p:cNvPr>
@@ -1846,7 +1846,7 @@
           <p:cNvPr id="9" name="灯片编号占位符 8">
             <a:extLst>
               <a:ext uri="{FF2B5EF4-FFF2-40B4-BE49-F238E27FC236}">
-                <a16:creationId xmlns:a16="http://schemas.microsoft.com/office/drawing/2014/main" id="{C02ECB6E-2B63-97CA-A4A1-B62453812CD2}"/>
+                <a16:creationId xmlns:a16="http://schemas.microsoft.com/office/drawing/2014/main" id="{99B2DED6-CA07-7C14-9AEA-8DBA2D0480DD}"/>
               </a:ext>
             </a:extLst>
           </p:cNvPr>
@@ -1862,7 +1862,7 @@
           <a:bodyPr/>
           <a:lstStyle/>
           <a:p>
-            <a:fld id="{98450F40-2CBB-4E4F-B8B7-274DB0D8C758}" type="slidenum">
+            <a:fld id="{F9CA2F5A-4ED6-4FE7-A47D-AA87A0518D75}" type="slidenum">
               <a:rPr lang="zh-CN" altLang="en-US" smtClean="0"/>
               <a:t>‹#›</a:t>
             </a:fld>
@@ -1873,7 +1873,7 @@
     </p:spTree>
     <p:extLst>
       <p:ext uri="{BB962C8B-B14F-4D97-AF65-F5344CB8AC3E}">
-        <p14:creationId xmlns:p14="http://schemas.microsoft.com/office/powerpoint/2010/main" val="4282621348"/>
+        <p14:creationId xmlns:p14="http://schemas.microsoft.com/office/powerpoint/2010/main" val="1682355175"/>
       </p:ext>
     </p:extLst>
   </p:cSld>
@@ -1905,7 +1905,7 @@
           <p:cNvPr id="2" name="标题 1">
             <a:extLst>
               <a:ext uri="{FF2B5EF4-FFF2-40B4-BE49-F238E27FC236}">
-                <a16:creationId xmlns:a16="http://schemas.microsoft.com/office/drawing/2014/main" id="{BA9FFE03-C744-3D4F-AF8E-5DDCB7CF3E47}"/>
+                <a16:creationId xmlns:a16="http://schemas.microsoft.com/office/drawing/2014/main" id="{5BB11505-8206-2BD1-A399-5DE5BF0E33C9}"/>
               </a:ext>
             </a:extLst>
           </p:cNvPr>
@@ -1933,7 +1933,7 @@
           <p:cNvPr id="3" name="日期占位符 2">
             <a:extLst>
               <a:ext uri="{FF2B5EF4-FFF2-40B4-BE49-F238E27FC236}">
-                <a16:creationId xmlns:a16="http://schemas.microsoft.com/office/drawing/2014/main" id="{7C004C1A-0B66-FEB1-405C-4A9A2BD4A9D2}"/>
+                <a16:creationId xmlns:a16="http://schemas.microsoft.com/office/drawing/2014/main" id="{7BF5E8A9-D1FE-9725-7883-2E26A885B536}"/>
               </a:ext>
             </a:extLst>
           </p:cNvPr>
@@ -1949,7 +1949,7 @@
           <a:bodyPr/>
           <a:lstStyle/>
           <a:p>
-            <a:fld id="{27391912-FA2D-4827-8CA1-7B9F50C6B5B4}" type="datetimeFigureOut">
+            <a:fld id="{619826E2-8692-4CC7-B8F8-FAB2D156F1F0}" type="datetimeFigureOut">
               <a:rPr lang="zh-CN" altLang="en-US" smtClean="0"/>
               <a:t>2024/3/10</a:t>
             </a:fld>
@@ -1962,7 +1962,7 @@
           <p:cNvPr id="4" name="页脚占位符 3">
             <a:extLst>
               <a:ext uri="{FF2B5EF4-FFF2-40B4-BE49-F238E27FC236}">
-                <a16:creationId xmlns:a16="http://schemas.microsoft.com/office/drawing/2014/main" id="{E8E98A1A-6E1A-0ECE-790D-0F09FD2E2ED4}"/>
+                <a16:creationId xmlns:a16="http://schemas.microsoft.com/office/drawing/2014/main" id="{72022EEA-F9BA-F521-4F2E-208B0CB2D1CB}"/>
               </a:ext>
             </a:extLst>
           </p:cNvPr>
@@ -1987,7 +1987,7 @@
           <p:cNvPr id="5" name="灯片编号占位符 4">
             <a:extLst>
               <a:ext uri="{FF2B5EF4-FFF2-40B4-BE49-F238E27FC236}">
-                <a16:creationId xmlns:a16="http://schemas.microsoft.com/office/drawing/2014/main" id="{A89A8280-B1A5-6375-3365-75A5F9B98952}"/>
+                <a16:creationId xmlns:a16="http://schemas.microsoft.com/office/drawing/2014/main" id="{9A151CD0-FF8F-9E18-57F0-3913DDB7ACC1}"/>
               </a:ext>
             </a:extLst>
           </p:cNvPr>
@@ -2003,7 +2003,7 @@
           <a:bodyPr/>
           <a:lstStyle/>
           <a:p>
-            <a:fld id="{98450F40-2CBB-4E4F-B8B7-274DB0D8C758}" type="slidenum">
+            <a:fld id="{F9CA2F5A-4ED6-4FE7-A47D-AA87A0518D75}" type="slidenum">
               <a:rPr lang="zh-CN" altLang="en-US" smtClean="0"/>
               <a:t>‹#›</a:t>
             </a:fld>
@@ -2014,7 +2014,7 @@
     </p:spTree>
     <p:extLst>
       <p:ext uri="{BB962C8B-B14F-4D97-AF65-F5344CB8AC3E}">
-        <p14:creationId xmlns:p14="http://schemas.microsoft.com/office/powerpoint/2010/main" val="682965385"/>
+        <p14:creationId xmlns:p14="http://schemas.microsoft.com/office/powerpoint/2010/main" val="3238575981"/>
       </p:ext>
     </p:extLst>
   </p:cSld>
@@ -2046,7 +2046,7 @@
           <p:cNvPr id="2" name="日期占位符 1">
             <a:extLst>
               <a:ext uri="{FF2B5EF4-FFF2-40B4-BE49-F238E27FC236}">
-                <a16:creationId xmlns:a16="http://schemas.microsoft.com/office/drawing/2014/main" id="{0E319402-929D-062B-FC21-E1B18D056ABA}"/>
+                <a16:creationId xmlns:a16="http://schemas.microsoft.com/office/drawing/2014/main" id="{54EA4271-BF04-563F-DB4D-4E6578BF0543}"/>
               </a:ext>
             </a:extLst>
           </p:cNvPr>
@@ -2062,7 +2062,7 @@
           <a:bodyPr/>
           <a:lstStyle/>
           <a:p>
-            <a:fld id="{27391912-FA2D-4827-8CA1-7B9F50C6B5B4}" type="datetimeFigureOut">
+            <a:fld id="{619826E2-8692-4CC7-B8F8-FAB2D156F1F0}" type="datetimeFigureOut">
               <a:rPr lang="zh-CN" altLang="en-US" smtClean="0"/>
               <a:t>2024/3/10</a:t>
             </a:fld>
@@ -2075,7 +2075,7 @@
           <p:cNvPr id="3" name="页脚占位符 2">
             <a:extLst>
               <a:ext uri="{FF2B5EF4-FFF2-40B4-BE49-F238E27FC236}">
-                <a16:creationId xmlns:a16="http://schemas.microsoft.com/office/drawing/2014/main" id="{CB5D9773-6721-B9BF-74D6-587639FD0331}"/>
+                <a16:creationId xmlns:a16="http://schemas.microsoft.com/office/drawing/2014/main" id="{2B4DA78D-367E-3D95-0826-083EB5C2AFB6}"/>
               </a:ext>
             </a:extLst>
           </p:cNvPr>
@@ -2100,7 +2100,7 @@
           <p:cNvPr id="4" name="灯片编号占位符 3">
             <a:extLst>
               <a:ext uri="{FF2B5EF4-FFF2-40B4-BE49-F238E27FC236}">
-                <a16:creationId xmlns:a16="http://schemas.microsoft.com/office/drawing/2014/main" id="{D5DEBD8E-7539-8AEA-4DA5-13CB4011B555}"/>
+                <a16:creationId xmlns:a16="http://schemas.microsoft.com/office/drawing/2014/main" id="{1D093F94-23B1-FB5D-1FCD-010FDDAA081D}"/>
               </a:ext>
             </a:extLst>
           </p:cNvPr>
@@ -2116,7 +2116,7 @@
           <a:bodyPr/>
           <a:lstStyle/>
           <a:p>
-            <a:fld id="{98450F40-2CBB-4E4F-B8B7-274DB0D8C758}" type="slidenum">
+            <a:fld id="{F9CA2F5A-4ED6-4FE7-A47D-AA87A0518D75}" type="slidenum">
               <a:rPr lang="zh-CN" altLang="en-US" smtClean="0"/>
               <a:t>‹#›</a:t>
             </a:fld>
@@ -2127,7 +2127,7 @@
     </p:spTree>
     <p:extLst>
       <p:ext uri="{BB962C8B-B14F-4D97-AF65-F5344CB8AC3E}">
-        <p14:creationId xmlns:p14="http://schemas.microsoft.com/office/powerpoint/2010/main" val="4257322121"/>
+        <p14:creationId xmlns:p14="http://schemas.microsoft.com/office/powerpoint/2010/main" val="2084663194"/>
       </p:ext>
     </p:extLst>
   </p:cSld>
@@ -2159,7 +2159,7 @@
           <p:cNvPr id="2" name="标题 1">
             <a:extLst>
               <a:ext uri="{FF2B5EF4-FFF2-40B4-BE49-F238E27FC236}">
-                <a16:creationId xmlns:a16="http://schemas.microsoft.com/office/drawing/2014/main" id="{F7E08D02-0056-D34C-985D-6F8B847CAFC2}"/>
+                <a16:creationId xmlns:a16="http://schemas.microsoft.com/office/drawing/2014/main" id="{0F56FC50-84B5-E805-FA14-FCB4F904FEF9}"/>
               </a:ext>
             </a:extLst>
           </p:cNvPr>
@@ -2196,7 +2196,7 @@
           <p:cNvPr id="3" name="内容占位符 2">
             <a:extLst>
               <a:ext uri="{FF2B5EF4-FFF2-40B4-BE49-F238E27FC236}">
-                <a16:creationId xmlns:a16="http://schemas.microsoft.com/office/drawing/2014/main" id="{D91AF4B1-0CCD-A2CF-979F-C04FAC5D2CCD}"/>
+                <a16:creationId xmlns:a16="http://schemas.microsoft.com/office/drawing/2014/main" id="{5083612A-7A67-AE1A-81B7-B0D460663F37}"/>
               </a:ext>
             </a:extLst>
           </p:cNvPr>
@@ -2286,7 +2286,7 @@
           <p:cNvPr id="4" name="文本占位符 3">
             <a:extLst>
               <a:ext uri="{FF2B5EF4-FFF2-40B4-BE49-F238E27FC236}">
-                <a16:creationId xmlns:a16="http://schemas.microsoft.com/office/drawing/2014/main" id="{E68D53DD-0426-C947-7765-0ADAE58FEE3E}"/>
+                <a16:creationId xmlns:a16="http://schemas.microsoft.com/office/drawing/2014/main" id="{54D73F03-06F5-8075-C4FA-B4B9A8278622}"/>
               </a:ext>
             </a:extLst>
           </p:cNvPr>
@@ -2357,7 +2357,7 @@
           <p:cNvPr id="5" name="日期占位符 4">
             <a:extLst>
               <a:ext uri="{FF2B5EF4-FFF2-40B4-BE49-F238E27FC236}">
-                <a16:creationId xmlns:a16="http://schemas.microsoft.com/office/drawing/2014/main" id="{DA018AFB-5154-BBB7-178A-D8158369BB5C}"/>
+                <a16:creationId xmlns:a16="http://schemas.microsoft.com/office/drawing/2014/main" id="{FAAD4E53-B5FD-BC44-E243-8D1D6B560144}"/>
               </a:ext>
             </a:extLst>
           </p:cNvPr>
@@ -2373,7 +2373,7 @@
           <a:bodyPr/>
           <a:lstStyle/>
           <a:p>
-            <a:fld id="{27391912-FA2D-4827-8CA1-7B9F50C6B5B4}" type="datetimeFigureOut">
+            <a:fld id="{619826E2-8692-4CC7-B8F8-FAB2D156F1F0}" type="datetimeFigureOut">
               <a:rPr lang="zh-CN" altLang="en-US" smtClean="0"/>
               <a:t>2024/3/10</a:t>
             </a:fld>
@@ -2386,7 +2386,7 @@
           <p:cNvPr id="6" name="页脚占位符 5">
             <a:extLst>
               <a:ext uri="{FF2B5EF4-FFF2-40B4-BE49-F238E27FC236}">
-                <a16:creationId xmlns:a16="http://schemas.microsoft.com/office/drawing/2014/main" id="{93C88F9F-DF37-78F3-504F-87454332AA7A}"/>
+                <a16:creationId xmlns:a16="http://schemas.microsoft.com/office/drawing/2014/main" id="{4A137D3F-4336-F1C0-ECDB-9339CEDAD548}"/>
               </a:ext>
             </a:extLst>
           </p:cNvPr>
@@ -2411,7 +2411,7 @@
           <p:cNvPr id="7" name="灯片编号占位符 6">
             <a:extLst>
               <a:ext uri="{FF2B5EF4-FFF2-40B4-BE49-F238E27FC236}">
-                <a16:creationId xmlns:a16="http://schemas.microsoft.com/office/drawing/2014/main" id="{D57BF085-5E0C-EDFF-1130-79713C14BCAB}"/>
+                <a16:creationId xmlns:a16="http://schemas.microsoft.com/office/drawing/2014/main" id="{5B38BFE1-4AC1-0168-CCFA-535B996B8BDF}"/>
               </a:ext>
             </a:extLst>
           </p:cNvPr>
@@ -2427,7 +2427,7 @@
           <a:bodyPr/>
           <a:lstStyle/>
           <a:p>
-            <a:fld id="{98450F40-2CBB-4E4F-B8B7-274DB0D8C758}" type="slidenum">
+            <a:fld id="{F9CA2F5A-4ED6-4FE7-A47D-AA87A0518D75}" type="slidenum">
               <a:rPr lang="zh-CN" altLang="en-US" smtClean="0"/>
               <a:t>‹#›</a:t>
             </a:fld>
@@ -2438,7 +2438,7 @@
     </p:spTree>
     <p:extLst>
       <p:ext uri="{BB962C8B-B14F-4D97-AF65-F5344CB8AC3E}">
-        <p14:creationId xmlns:p14="http://schemas.microsoft.com/office/powerpoint/2010/main" val="3716734714"/>
+        <p14:creationId xmlns:p14="http://schemas.microsoft.com/office/powerpoint/2010/main" val="2783489936"/>
       </p:ext>
     </p:extLst>
   </p:cSld>
@@ -2470,7 +2470,7 @@
           <p:cNvPr id="2" name="标题 1">
             <a:extLst>
               <a:ext uri="{FF2B5EF4-FFF2-40B4-BE49-F238E27FC236}">
-                <a16:creationId xmlns:a16="http://schemas.microsoft.com/office/drawing/2014/main" id="{E6EB2F37-4DB2-7451-3EBA-2F7547D65B7A}"/>
+                <a16:creationId xmlns:a16="http://schemas.microsoft.com/office/drawing/2014/main" id="{5C100D42-8E00-E792-A2ED-B13A26B3A7CD}"/>
               </a:ext>
             </a:extLst>
           </p:cNvPr>
@@ -2507,7 +2507,7 @@
           <p:cNvPr id="3" name="图片占位符 2">
             <a:extLst>
               <a:ext uri="{FF2B5EF4-FFF2-40B4-BE49-F238E27FC236}">
-                <a16:creationId xmlns:a16="http://schemas.microsoft.com/office/drawing/2014/main" id="{4BB02692-BB29-BE8C-DBAC-BCA84FF9F322}"/>
+                <a16:creationId xmlns:a16="http://schemas.microsoft.com/office/drawing/2014/main" id="{36112C65-E9CB-C509-0ABE-4F8D33F84C89}"/>
               </a:ext>
             </a:extLst>
           </p:cNvPr>
@@ -2574,7 +2574,7 @@
           <p:cNvPr id="4" name="文本占位符 3">
             <a:extLst>
               <a:ext uri="{FF2B5EF4-FFF2-40B4-BE49-F238E27FC236}">
-                <a16:creationId xmlns:a16="http://schemas.microsoft.com/office/drawing/2014/main" id="{B2F296BC-86A0-707B-AE4E-E3C8887D65AE}"/>
+                <a16:creationId xmlns:a16="http://schemas.microsoft.com/office/drawing/2014/main" id="{0C522A46-0561-7976-234D-44F2DB4B8F4E}"/>
               </a:ext>
             </a:extLst>
           </p:cNvPr>
@@ -2645,7 +2645,7 @@
           <p:cNvPr id="5" name="日期占位符 4">
             <a:extLst>
               <a:ext uri="{FF2B5EF4-FFF2-40B4-BE49-F238E27FC236}">
-                <a16:creationId xmlns:a16="http://schemas.microsoft.com/office/drawing/2014/main" id="{4BBDBA87-B6ED-DBD9-7740-35BEB20CFCE5}"/>
+                <a16:creationId xmlns:a16="http://schemas.microsoft.com/office/drawing/2014/main" id="{7B7A2C82-E5B1-D304-098B-1B93CE552396}"/>
               </a:ext>
             </a:extLst>
           </p:cNvPr>
@@ -2661,7 +2661,7 @@
           <a:bodyPr/>
           <a:lstStyle/>
           <a:p>
-            <a:fld id="{27391912-FA2D-4827-8CA1-7B9F50C6B5B4}" type="datetimeFigureOut">
+            <a:fld id="{619826E2-8692-4CC7-B8F8-FAB2D156F1F0}" type="datetimeFigureOut">
               <a:rPr lang="zh-CN" altLang="en-US" smtClean="0"/>
               <a:t>2024/3/10</a:t>
             </a:fld>
@@ -2674,7 +2674,7 @@
           <p:cNvPr id="6" name="页脚占位符 5">
             <a:extLst>
               <a:ext uri="{FF2B5EF4-FFF2-40B4-BE49-F238E27FC236}">
-                <a16:creationId xmlns:a16="http://schemas.microsoft.com/office/drawing/2014/main" id="{4D41F075-EBC7-F0ED-52A5-3CAF01C48202}"/>
+                <a16:creationId xmlns:a16="http://schemas.microsoft.com/office/drawing/2014/main" id="{293FC2C7-5A43-2D8B-FDB0-75D401E22A0A}"/>
               </a:ext>
             </a:extLst>
           </p:cNvPr>
@@ -2699,7 +2699,7 @@
           <p:cNvPr id="7" name="灯片编号占位符 6">
             <a:extLst>
               <a:ext uri="{FF2B5EF4-FFF2-40B4-BE49-F238E27FC236}">
-                <a16:creationId xmlns:a16="http://schemas.microsoft.com/office/drawing/2014/main" id="{011E99C2-B200-1050-B72E-613D79F46321}"/>
+                <a16:creationId xmlns:a16="http://schemas.microsoft.com/office/drawing/2014/main" id="{552C9039-9BC7-1DD4-57DC-0E4B9C9CE1A7}"/>
               </a:ext>
             </a:extLst>
           </p:cNvPr>
@@ -2715,7 +2715,7 @@
           <a:bodyPr/>
           <a:lstStyle/>
           <a:p>
-            <a:fld id="{98450F40-2CBB-4E4F-B8B7-274DB0D8C758}" type="slidenum">
+            <a:fld id="{F9CA2F5A-4ED6-4FE7-A47D-AA87A0518D75}" type="slidenum">
               <a:rPr lang="zh-CN" altLang="en-US" smtClean="0"/>
               <a:t>‹#›</a:t>
             </a:fld>
@@ -2726,7 +2726,7 @@
     </p:spTree>
     <p:extLst>
       <p:ext uri="{BB962C8B-B14F-4D97-AF65-F5344CB8AC3E}">
-        <p14:creationId xmlns:p14="http://schemas.microsoft.com/office/powerpoint/2010/main" val="3442117230"/>
+        <p14:creationId xmlns:p14="http://schemas.microsoft.com/office/powerpoint/2010/main" val="2548432365"/>
       </p:ext>
     </p:extLst>
   </p:cSld>
@@ -2763,7 +2763,7 @@
           <p:cNvPr id="2" name="标题占位符 1">
             <a:extLst>
               <a:ext uri="{FF2B5EF4-FFF2-40B4-BE49-F238E27FC236}">
-                <a16:creationId xmlns:a16="http://schemas.microsoft.com/office/drawing/2014/main" id="{7DFB95C8-1EEF-F3B5-2CF6-312A087BDC79}"/>
+                <a16:creationId xmlns:a16="http://schemas.microsoft.com/office/drawing/2014/main" id="{125E038A-43F6-DCCE-51FD-15710DBEE544}"/>
               </a:ext>
             </a:extLst>
           </p:cNvPr>
@@ -2801,7 +2801,7 @@
           <p:cNvPr id="3" name="文本占位符 2">
             <a:extLst>
               <a:ext uri="{FF2B5EF4-FFF2-40B4-BE49-F238E27FC236}">
-                <a16:creationId xmlns:a16="http://schemas.microsoft.com/office/drawing/2014/main" id="{D8250AE8-4EE3-662E-BFE4-E715A7B8047A}"/>
+                <a16:creationId xmlns:a16="http://schemas.microsoft.com/office/drawing/2014/main" id="{8AEF92B5-CB5C-C08F-F544-F5E6D71FF796}"/>
               </a:ext>
             </a:extLst>
           </p:cNvPr>
@@ -2868,7 +2868,7 @@
           <p:cNvPr id="4" name="日期占位符 3">
             <a:extLst>
               <a:ext uri="{FF2B5EF4-FFF2-40B4-BE49-F238E27FC236}">
-                <a16:creationId xmlns:a16="http://schemas.microsoft.com/office/drawing/2014/main" id="{CC91D66A-A791-1A88-71F2-10517DF4A10A}"/>
+                <a16:creationId xmlns:a16="http://schemas.microsoft.com/office/drawing/2014/main" id="{6389CFD6-F7AC-715A-86EC-C7FDDCC9202B}"/>
               </a:ext>
             </a:extLst>
           </p:cNvPr>
@@ -2902,7 +2902,7 @@
             </a:lvl1pPr>
           </a:lstStyle>
           <a:p>
-            <a:fld id="{27391912-FA2D-4827-8CA1-7B9F50C6B5B4}" type="datetimeFigureOut">
+            <a:fld id="{619826E2-8692-4CC7-B8F8-FAB2D156F1F0}" type="datetimeFigureOut">
               <a:rPr lang="zh-CN" altLang="en-US" smtClean="0"/>
               <a:t>2024/3/10</a:t>
             </a:fld>
@@ -2915,7 +2915,7 @@
           <p:cNvPr id="5" name="页脚占位符 4">
             <a:extLst>
               <a:ext uri="{FF2B5EF4-FFF2-40B4-BE49-F238E27FC236}">
-                <a16:creationId xmlns:a16="http://schemas.microsoft.com/office/drawing/2014/main" id="{CD7DB4A5-2523-AEF5-7D67-E1EF4D3919A3}"/>
+                <a16:creationId xmlns:a16="http://schemas.microsoft.com/office/drawing/2014/main" id="{4A9F4B26-A175-F550-CBA3-F0A54E6E9109}"/>
               </a:ext>
             </a:extLst>
           </p:cNvPr>
@@ -2958,7 +2958,7 @@
           <p:cNvPr id="6" name="灯片编号占位符 5">
             <a:extLst>
               <a:ext uri="{FF2B5EF4-FFF2-40B4-BE49-F238E27FC236}">
-                <a16:creationId xmlns:a16="http://schemas.microsoft.com/office/drawing/2014/main" id="{2B12AFD2-69E7-96CB-8D67-B7AB4F270177}"/>
+                <a16:creationId xmlns:a16="http://schemas.microsoft.com/office/drawing/2014/main" id="{BAD0DD67-CF7D-6FCC-C813-91269E09B1C0}"/>
               </a:ext>
             </a:extLst>
           </p:cNvPr>
@@ -2992,7 +2992,7 @@
             </a:lvl1pPr>
           </a:lstStyle>
           <a:p>
-            <a:fld id="{98450F40-2CBB-4E4F-B8B7-274DB0D8C758}" type="slidenum">
+            <a:fld id="{F9CA2F5A-4ED6-4FE7-A47D-AA87A0518D75}" type="slidenum">
               <a:rPr lang="zh-CN" altLang="en-US" smtClean="0"/>
               <a:t>‹#›</a:t>
             </a:fld>
@@ -3003,7 +3003,7 @@
     </p:spTree>
     <p:extLst>
       <p:ext uri="{BB962C8B-B14F-4D97-AF65-F5344CB8AC3E}">
-        <p14:creationId xmlns:p14="http://schemas.microsoft.com/office/powerpoint/2010/main" val="1075317007"/>
+        <p14:creationId xmlns:p14="http://schemas.microsoft.com/office/powerpoint/2010/main" val="3725339691"/>
       </p:ext>
     </p:extLst>
   </p:cSld>
